--- a/Week 6/06b - RNNs for Text.pptx
+++ b/Week 6/06b - RNNs for Text.pptx
@@ -273,7 +273,7 @@
   </p:defaultTextStyle>
   <p:extLst>
     <p:ext uri="http://customooxmlschemas.google.com/">
-      <go:slidesCustomData xmlns:go="http://customooxmlschemas.google.com/" r:id="rId29" roundtripDataSignature="AMtx7mi9FyMDSquVsuwzRiHU1pVsUTfxtg=="/>
+      <go:slidesCustomData xmlns:go="http://customooxmlschemas.google.com/" r:id="rId29" roundtripDataSignature="AMtx7mhQWxUkfp1DOnPvK0uN84F+pN0S2g=="/>
     </p:ext>
   </p:extLst>
 </p:presentation>
@@ -1881,7 +1881,7 @@
       </p:grpSpPr>
       <p:sp>
         <p:nvSpPr>
-          <p:cNvPr id="174" name="Google Shape;174;p12:notes"/>
+          <p:cNvPr id="174" name="Google Shape;174;p14:notes"/>
           <p:cNvSpPr/>
           <p:nvPr>
             <p:ph idx="2" type="sldImg"/>
@@ -1926,7 +1926,7 @@
       </p:sp>
       <p:sp>
         <p:nvSpPr>
-          <p:cNvPr id="175" name="Google Shape;175;p12:notes"/>
+          <p:cNvPr id="175" name="Google Shape;175;p14:notes"/>
           <p:cNvSpPr txBox="1"/>
           <p:nvPr>
             <p:ph idx="1" type="body"/>
@@ -1962,7 +1962,69 @@
             </a:pPr>
             <a:r>
               <a:rPr lang="en-US"/>
-              <a:t>This is skipgram on the right. One word to surrounding context words (we map input word to </a:t>
+              <a:t>Attention layers are a very general concept. They are also implemented in many ways, using custom layers in Keras, for example, or using pre-defined layers. The book gives one example of an attention mechanism, Self-Attention, which is based on vector dot products between words’ vector embeddings. Just understand that this is merely one example of attention, and it’s not how every attention layer works. </a:t>
+            </a:r>
+            <a:endParaRPr/>
+          </a:p>
+          <a:p>
+            <a:pPr indent="0" lvl="0" marL="0" rtl="0" algn="l">
+              <a:spcBef>
+                <a:spcPts val="0"/>
+              </a:spcBef>
+              <a:spcAft>
+                <a:spcPts val="0"/>
+              </a:spcAft>
+              <a:buNone/>
+            </a:pPr>
+            <a:r>
+              <a:t/>
+            </a:r>
+            <a:endParaRPr/>
+          </a:p>
+          <a:p>
+            <a:pPr indent="0" lvl="0" marL="0" rtl="0" algn="l">
+              <a:spcBef>
+                <a:spcPts val="0"/>
+              </a:spcBef>
+              <a:spcAft>
+                <a:spcPts val="0"/>
+              </a:spcAft>
+              <a:buNone/>
+            </a:pPr>
+            <a:r>
+              <a:rPr lang="en-US"/>
+              <a:t>Matrix on the left is the result of taking dot products between word (e.g., on the row index, station) and every other word (column index) (this is imaginary). We then take the resulting values and scale them / run them through a softmax. This will yield values 0-1, that sum to 1. Last step is to multiply those scores by all the associated term vectors in the sequence, and then add them together. The result is a new ‘shifted’ word vector for ‘train’, which is ‘context aware’ (of other items in the sequence with it). </a:t>
+            </a:r>
+            <a:endParaRPr/>
+          </a:p>
+          <a:p>
+            <a:pPr indent="0" lvl="0" marL="0" rtl="0" algn="l">
+              <a:spcBef>
+                <a:spcPts val="0"/>
+              </a:spcBef>
+              <a:spcAft>
+                <a:spcPts val="0"/>
+              </a:spcAft>
+              <a:buNone/>
+            </a:pPr>
+            <a:r>
+              <a:t/>
+            </a:r>
+            <a:endParaRPr/>
+          </a:p>
+          <a:p>
+            <a:pPr indent="0" lvl="0" marL="0" rtl="0" algn="l">
+              <a:spcBef>
+                <a:spcPts val="0"/>
+              </a:spcBef>
+              <a:spcAft>
+                <a:spcPts val="0"/>
+              </a:spcAft>
+              <a:buNone/>
+            </a:pPr>
+            <a:r>
+              <a:rPr lang="en-US"/>
+              <a:t>Remember, vector dot product is project of A onto B. So, if two words are orthogonal in embedding space (they are completely unrelated) then the dot product with be 0. If two words are parallel, it means they are semantically related, and their dot product will approach 1. </a:t>
             </a:r>
             <a:endParaRPr/>
           </a:p>
@@ -1970,7 +2032,7 @@
       </p:sp>
       <p:sp>
         <p:nvSpPr>
-          <p:cNvPr id="176" name="Google Shape;176;p12:notes"/>
+          <p:cNvPr id="176" name="Google Shape;176;p14:notes"/>
           <p:cNvSpPr txBox="1"/>
           <p:nvPr>
             <p:ph idx="12" type="sldNum"/>
@@ -2025,7 +2087,7 @@
   <p:cSld>
     <p:spTree>
       <p:nvGrpSpPr>
-        <p:cNvPr id="181" name="Shape 181"/>
+        <p:cNvPr id="182" name="Shape 182"/>
         <p:cNvGrpSpPr/>
         <p:nvPr/>
       </p:nvGrpSpPr>
@@ -2039,7 +2101,7 @@
       </p:grpSpPr>
       <p:sp>
         <p:nvSpPr>
-          <p:cNvPr id="182" name="Google Shape;182;p13:notes"/>
+          <p:cNvPr id="183" name="Google Shape;183;p15:notes"/>
           <p:cNvSpPr/>
           <p:nvPr>
             <p:ph idx="2" type="sldImg"/>
@@ -2084,7 +2146,7 @@
       </p:sp>
       <p:sp>
         <p:nvSpPr>
-          <p:cNvPr id="183" name="Google Shape;183;p13:notes"/>
+          <p:cNvPr id="184" name="Google Shape;184;p15:notes"/>
           <p:cNvSpPr txBox="1"/>
           <p:nvPr>
             <p:ph idx="1" type="body"/>
@@ -2119,8 +2181,7 @@
               <a:buNone/>
             </a:pPr>
             <a:r>
-              <a:rPr lang="en-US"/>
-              <a:t>This is skipgram on the right. One word to surrounding context words (we map input word to </a:t>
+              <a:t/>
             </a:r>
             <a:endParaRPr/>
           </a:p>
@@ -2128,7 +2189,7 @@
       </p:sp>
       <p:sp>
         <p:nvSpPr>
-          <p:cNvPr id="184" name="Google Shape;184;p13:notes"/>
+          <p:cNvPr id="185" name="Google Shape;185;p15:notes"/>
           <p:cNvSpPr txBox="1"/>
           <p:nvPr>
             <p:ph idx="12" type="sldNum"/>
@@ -2197,7 +2258,7 @@
       </p:grpSpPr>
       <p:sp>
         <p:nvSpPr>
-          <p:cNvPr id="190" name="Google Shape;190;p14:notes"/>
+          <p:cNvPr id="190" name="Google Shape;190;p16:notes"/>
           <p:cNvSpPr/>
           <p:nvPr>
             <p:ph idx="2" type="sldImg"/>
@@ -2242,7 +2303,7 @@
       </p:sp>
       <p:sp>
         <p:nvSpPr>
-          <p:cNvPr id="191" name="Google Shape;191;p14:notes"/>
+          <p:cNvPr id="191" name="Google Shape;191;p16:notes"/>
           <p:cNvSpPr txBox="1"/>
           <p:nvPr>
             <p:ph idx="1" type="body"/>
@@ -2277,70 +2338,7 @@
               <a:buNone/>
             </a:pPr>
             <a:r>
-              <a:rPr lang="en-US"/>
-              <a:t>Attention layers are a very general concept. They are also implemented in many ways, using custom layers in Keras, for example, or using pre-defined layers. The book gives one example of an attention mechanism, Self-Attention, which is based on vector dot products between words’ vector embeddings. Just understand that this is merely one example of attention, and it’s not how every attention layer works. </a:t>
-            </a:r>
-            <a:endParaRPr/>
-          </a:p>
-          <a:p>
-            <a:pPr indent="0" lvl="0" marL="0" rtl="0" algn="l">
-              <a:spcBef>
-                <a:spcPts val="0"/>
-              </a:spcBef>
-              <a:spcAft>
-                <a:spcPts val="0"/>
-              </a:spcAft>
-              <a:buNone/>
-            </a:pPr>
-            <a:r>
               <a:t/>
-            </a:r>
-            <a:endParaRPr/>
-          </a:p>
-          <a:p>
-            <a:pPr indent="0" lvl="0" marL="0" rtl="0" algn="l">
-              <a:spcBef>
-                <a:spcPts val="0"/>
-              </a:spcBef>
-              <a:spcAft>
-                <a:spcPts val="0"/>
-              </a:spcAft>
-              <a:buNone/>
-            </a:pPr>
-            <a:r>
-              <a:rPr lang="en-US"/>
-              <a:t>Matrix on the left is the result of taking dot products between word (e.g., on the row index, station) and every other word (column index) (this is imaginary). We then take the resulting values and scale them / run them through a softmax. This will yield values 0-1, that sum to 1. Last step is to multiply those scores by all the associated term vectors in the sequence, and then add them together. The result is a new ‘shifted’ word vector for ‘train’, which is ‘context aware’ (of other items in the sequence with it). </a:t>
-            </a:r>
-            <a:endParaRPr/>
-          </a:p>
-          <a:p>
-            <a:pPr indent="0" lvl="0" marL="0" rtl="0" algn="l">
-              <a:spcBef>
-                <a:spcPts val="0"/>
-              </a:spcBef>
-              <a:spcAft>
-                <a:spcPts val="0"/>
-              </a:spcAft>
-              <a:buNone/>
-            </a:pPr>
-            <a:r>
-              <a:t/>
-            </a:r>
-            <a:endParaRPr/>
-          </a:p>
-          <a:p>
-            <a:pPr indent="0" lvl="0" marL="0" rtl="0" algn="l">
-              <a:spcBef>
-                <a:spcPts val="0"/>
-              </a:spcBef>
-              <a:spcAft>
-                <a:spcPts val="0"/>
-              </a:spcAft>
-              <a:buNone/>
-            </a:pPr>
-            <a:r>
-              <a:rPr lang="en-US"/>
-              <a:t>Remember, vector dot product is project of A onto B. So, if two words are orthogonal in embedding space (they are completely unrelated) then the dot product with be 0. If two words are parallel, it means they are semantically related, and their dot product will approach 1. </a:t>
             </a:r>
             <a:endParaRPr/>
           </a:p>
@@ -2348,7 +2346,7 @@
       </p:sp>
       <p:sp>
         <p:nvSpPr>
-          <p:cNvPr id="192" name="Google Shape;192;p14:notes"/>
+          <p:cNvPr id="192" name="Google Shape;192;p16:notes"/>
           <p:cNvSpPr txBox="1"/>
           <p:nvPr>
             <p:ph idx="12" type="sldNum"/>
@@ -2403,7 +2401,7 @@
   <p:cSld>
     <p:spTree>
       <p:nvGrpSpPr>
-        <p:cNvPr id="198" name="Shape 198"/>
+        <p:cNvPr id="197" name="Shape 197"/>
         <p:cNvGrpSpPr/>
         <p:nvPr/>
       </p:nvGrpSpPr>
@@ -2417,7 +2415,7 @@
       </p:grpSpPr>
       <p:sp>
         <p:nvSpPr>
-          <p:cNvPr id="199" name="Google Shape;199;p15:notes"/>
+          <p:cNvPr id="198" name="Google Shape;198;p12:notes"/>
           <p:cNvSpPr/>
           <p:nvPr>
             <p:ph idx="2" type="sldImg"/>
@@ -2462,7 +2460,7 @@
       </p:sp>
       <p:sp>
         <p:nvSpPr>
-          <p:cNvPr id="200" name="Google Shape;200;p15:notes"/>
+          <p:cNvPr id="199" name="Google Shape;199;p12:notes"/>
           <p:cNvSpPr txBox="1"/>
           <p:nvPr>
             <p:ph idx="1" type="body"/>
@@ -2497,7 +2495,8 @@
               <a:buNone/>
             </a:pPr>
             <a:r>
-              <a:t/>
+              <a:rPr lang="en-US"/>
+              <a:t>This is skipgram on the right. One word to surrounding context words (we map input word to </a:t>
             </a:r>
             <a:endParaRPr/>
           </a:p>
@@ -2505,7 +2504,7 @@
       </p:sp>
       <p:sp>
         <p:nvSpPr>
-          <p:cNvPr id="201" name="Google Shape;201;p15:notes"/>
+          <p:cNvPr id="200" name="Google Shape;200;p12:notes"/>
           <p:cNvSpPr txBox="1"/>
           <p:nvPr>
             <p:ph idx="12" type="sldNum"/>
@@ -2574,7 +2573,7 @@
       </p:grpSpPr>
       <p:sp>
         <p:nvSpPr>
-          <p:cNvPr id="206" name="Google Shape;206;p16:notes"/>
+          <p:cNvPr id="206" name="Google Shape;206;p13:notes"/>
           <p:cNvSpPr/>
           <p:nvPr>
             <p:ph idx="2" type="sldImg"/>
@@ -2619,7 +2618,7 @@
       </p:sp>
       <p:sp>
         <p:nvSpPr>
-          <p:cNvPr id="207" name="Google Shape;207;p16:notes"/>
+          <p:cNvPr id="207" name="Google Shape;207;p13:notes"/>
           <p:cNvSpPr txBox="1"/>
           <p:nvPr>
             <p:ph idx="1" type="body"/>
@@ -2654,7 +2653,8 @@
               <a:buNone/>
             </a:pPr>
             <a:r>
-              <a:t/>
+              <a:rPr lang="en-US"/>
+              <a:t>This is skipgram on the right. One word to surrounding context words (we map input word to </a:t>
             </a:r>
             <a:endParaRPr/>
           </a:p>
@@ -2662,7 +2662,7 @@
       </p:sp>
       <p:sp>
         <p:nvSpPr>
-          <p:cNvPr id="208" name="Google Shape;208;p16:notes"/>
+          <p:cNvPr id="208" name="Google Shape;208;p13:notes"/>
           <p:cNvSpPr txBox="1"/>
           <p:nvPr>
             <p:ph idx="12" type="sldNum"/>
@@ -14557,7 +14557,7 @@
       </p:grpSpPr>
       <p:sp>
         <p:nvSpPr>
-          <p:cNvPr id="178" name="Google Shape;178;p12"/>
+          <p:cNvPr id="178" name="Google Shape;178;p14"/>
           <p:cNvSpPr txBox="1"/>
           <p:nvPr/>
         </p:nvSpPr>
@@ -14599,540 +14599,6 @@
                 <a:cs typeface="Economica"/>
                 <a:sym typeface="Economica"/>
               </a:rPr>
-              <a:t>RNN for Audio</a:t>
-            </a:r>
-            <a:endParaRPr/>
-          </a:p>
-        </p:txBody>
-      </p:sp>
-      <p:sp>
-        <p:nvSpPr>
-          <p:cNvPr id="179" name="Google Shape;179;p12"/>
-          <p:cNvSpPr txBox="1"/>
-          <p:nvPr/>
-        </p:nvSpPr>
-        <p:spPr>
-          <a:xfrm>
-            <a:off x="772620" y="1950155"/>
-            <a:ext cx="10093751" cy="1631216"/>
-          </a:xfrm>
-          <a:prstGeom prst="rect">
-            <a:avLst/>
-          </a:prstGeom>
-          <a:noFill/>
-          <a:ln>
-            <a:noFill/>
-          </a:ln>
-        </p:spPr>
-        <p:txBody>
-          <a:bodyPr anchorCtr="0" anchor="t" bIns="45700" lIns="91425" spcFirstLastPara="1" rIns="91425" wrap="square" tIns="45700">
-            <a:spAutoFit/>
-          </a:bodyPr>
-          <a:lstStyle/>
-          <a:p>
-            <a:pPr indent="0" lvl="0" marL="0" marR="0" rtl="0" algn="l">
-              <a:spcBef>
-                <a:spcPts val="0"/>
-              </a:spcBef>
-              <a:spcAft>
-                <a:spcPts val="0"/>
-              </a:spcAft>
-              <a:buNone/>
-            </a:pPr>
-            <a:r>
-              <a:rPr b="1" lang="en-US" sz="2000">
-                <a:solidFill>
-                  <a:schemeClr val="dk1"/>
-                </a:solidFill>
-                <a:latin typeface="Quicksand"/>
-                <a:ea typeface="Quicksand"/>
-                <a:cs typeface="Quicksand"/>
-                <a:sym typeface="Quicksand"/>
-              </a:rPr>
-              <a:t>Same Sequence Concepts Work for Audio Data</a:t>
-            </a:r>
-            <a:endParaRPr/>
-          </a:p>
-          <a:p>
-            <a:pPr indent="-342900" lvl="0" marL="342900" marR="0" rtl="0" algn="l">
-              <a:spcBef>
-                <a:spcPts val="0"/>
-              </a:spcBef>
-              <a:spcAft>
-                <a:spcPts val="0"/>
-              </a:spcAft>
-              <a:buClr>
-                <a:schemeClr val="dk1"/>
-              </a:buClr>
-              <a:buSzPts val="2000"/>
-              <a:buFont typeface="Arial"/>
-              <a:buChar char="•"/>
-            </a:pPr>
-            <a:r>
-              <a:rPr lang="en-US" sz="2000">
-                <a:solidFill>
-                  <a:schemeClr val="dk1"/>
-                </a:solidFill>
-                <a:latin typeface="Quicksand"/>
-                <a:ea typeface="Quicksand"/>
-                <a:cs typeface="Quicksand"/>
-                <a:sym typeface="Quicksand"/>
-              </a:rPr>
-              <a:t>Audio files are just sequences of numeric values (amplitude), possibly two if it was recorded in stereo. </a:t>
-            </a:r>
-            <a:endParaRPr/>
-          </a:p>
-          <a:p>
-            <a:pPr indent="-342900" lvl="0" marL="342900" marR="0" rtl="0" algn="l">
-              <a:spcBef>
-                <a:spcPts val="0"/>
-              </a:spcBef>
-              <a:spcAft>
-                <a:spcPts val="0"/>
-              </a:spcAft>
-              <a:buClr>
-                <a:schemeClr val="dk1"/>
-              </a:buClr>
-              <a:buSzPts val="2000"/>
-              <a:buFont typeface="Arial"/>
-              <a:buChar char="•"/>
-            </a:pPr>
-            <a:r>
-              <a:rPr lang="en-US" sz="2000">
-                <a:solidFill>
-                  <a:schemeClr val="dk1"/>
-                </a:solidFill>
-                <a:latin typeface="Quicksand"/>
-                <a:ea typeface="Quicksand"/>
-                <a:cs typeface="Quicksand"/>
-                <a:sym typeface="Quicksand"/>
-              </a:rPr>
-              <a:t>Once we recognize this, we realize we can predict things about audio sequences too!</a:t>
-            </a:r>
-            <a:endParaRPr/>
-          </a:p>
-          <a:p>
-            <a:pPr indent="-215900" lvl="0" marL="342900" marR="0" rtl="0" algn="l">
-              <a:spcBef>
-                <a:spcPts val="0"/>
-              </a:spcBef>
-              <a:spcAft>
-                <a:spcPts val="0"/>
-              </a:spcAft>
-              <a:buClr>
-                <a:schemeClr val="dk1"/>
-              </a:buClr>
-              <a:buSzPts val="2000"/>
-              <a:buFont typeface="Arial"/>
-              <a:buNone/>
-            </a:pPr>
-            <a:r>
-              <a:t/>
-            </a:r>
-            <a:endParaRPr sz="2000">
-              <a:solidFill>
-                <a:schemeClr val="dk1"/>
-              </a:solidFill>
-              <a:latin typeface="Quicksand"/>
-              <a:ea typeface="Quicksand"/>
-              <a:cs typeface="Quicksand"/>
-              <a:sym typeface="Quicksand"/>
-            </a:endParaRPr>
-          </a:p>
-        </p:txBody>
-      </p:sp>
-      <p:pic>
-        <p:nvPicPr>
-          <p:cNvPr id="180" name="Google Shape;180;p12"/>
-          <p:cNvPicPr preferRelativeResize="0"/>
-          <p:nvPr/>
-        </p:nvPicPr>
-        <p:blipFill rotWithShape="1">
-          <a:blip r:embed="rId3">
-            <a:alphaModFix/>
-          </a:blip>
-          <a:srcRect b="0" l="0" r="0" t="0"/>
-          <a:stretch/>
-        </p:blipFill>
-        <p:spPr>
-          <a:xfrm>
-            <a:off x="4337050" y="3429000"/>
-            <a:ext cx="3517900" cy="2286000"/>
-          </a:xfrm>
-          <a:prstGeom prst="rect">
-            <a:avLst/>
-          </a:prstGeom>
-          <a:noFill/>
-          <a:ln>
-            <a:noFill/>
-          </a:ln>
-        </p:spPr>
-      </p:pic>
-    </p:spTree>
-  </p:cSld>
-  <p:clrMapOvr>
-    <a:masterClrMapping/>
-  </p:clrMapOvr>
-</p:sld>
-</file>
-
-<file path=ppt/slides/slide13.xml><?xml version="1.0" encoding="utf-8"?>
-<p:sld xmlns:a="http://schemas.openxmlformats.org/drawingml/2006/main" xmlns:r="http://schemas.openxmlformats.org/officeDocument/2006/relationships" xmlns:mc="http://schemas.openxmlformats.org/markup-compatibility/2006" xmlns:mv="urn:schemas-microsoft-com:mac:vml" xmlns:p="http://schemas.openxmlformats.org/presentationml/2006/main" xmlns:c="http://schemas.openxmlformats.org/drawingml/2006/chart" xmlns:dgm="http://schemas.openxmlformats.org/drawingml/2006/diagram" xmlns:o="urn:schemas-microsoft-com:office:office" xmlns:v="urn:schemas-microsoft-com:vml" xmlns:pvml="urn:schemas-microsoft-com:office:powerpoint" xmlns:com="http://schemas.openxmlformats.org/drawingml/2006/compatibility" xmlns:p14="http://schemas.microsoft.com/office/powerpoint/2010/main" xmlns:p15="http://schemas.microsoft.com/office/powerpoint/2012/main" xmlns:ahyp="http://schemas.microsoft.com/office/drawing/2018/hyperlinkcolor">
-  <p:cSld>
-    <p:spTree>
-      <p:nvGrpSpPr>
-        <p:cNvPr id="185" name="Shape 185"/>
-        <p:cNvGrpSpPr/>
-        <p:nvPr/>
-      </p:nvGrpSpPr>
-      <p:grpSpPr>
-        <a:xfrm>
-          <a:off x="0" y="0"/>
-          <a:ext cx="0" cy="0"/>
-          <a:chOff x="0" y="0"/>
-          <a:chExt cx="0" cy="0"/>
-        </a:xfrm>
-      </p:grpSpPr>
-      <p:sp>
-        <p:nvSpPr>
-          <p:cNvPr id="186" name="Google Shape;186;p13"/>
-          <p:cNvSpPr txBox="1"/>
-          <p:nvPr/>
-        </p:nvSpPr>
-        <p:spPr>
-          <a:xfrm>
-            <a:off x="1325629" y="639657"/>
-            <a:ext cx="9540742" cy="923330"/>
-          </a:xfrm>
-          <a:prstGeom prst="rect">
-            <a:avLst/>
-          </a:prstGeom>
-          <a:noFill/>
-          <a:ln>
-            <a:noFill/>
-          </a:ln>
-        </p:spPr>
-        <p:txBody>
-          <a:bodyPr anchorCtr="0" anchor="t" bIns="45700" lIns="91425" spcFirstLastPara="1" rIns="91425" wrap="square" tIns="45700">
-            <a:spAutoFit/>
-          </a:bodyPr>
-          <a:lstStyle/>
-          <a:p>
-            <a:pPr indent="0" lvl="0" marL="0" marR="0" rtl="0" algn="ctr">
-              <a:spcBef>
-                <a:spcPts val="0"/>
-              </a:spcBef>
-              <a:spcAft>
-                <a:spcPts val="0"/>
-              </a:spcAft>
-              <a:buNone/>
-            </a:pPr>
-            <a:r>
-              <a:rPr lang="en-US" sz="5400">
-                <a:solidFill>
-                  <a:schemeClr val="dk1"/>
-                </a:solidFill>
-                <a:latin typeface="Economica"/>
-                <a:ea typeface="Economica"/>
-                <a:cs typeface="Economica"/>
-                <a:sym typeface="Economica"/>
-              </a:rPr>
-              <a:t>CNN-RNN for Video</a:t>
-            </a:r>
-            <a:endParaRPr/>
-          </a:p>
-        </p:txBody>
-      </p:sp>
-      <p:sp>
-        <p:nvSpPr>
-          <p:cNvPr id="187" name="Google Shape;187;p13"/>
-          <p:cNvSpPr txBox="1"/>
-          <p:nvPr/>
-        </p:nvSpPr>
-        <p:spPr>
-          <a:xfrm>
-            <a:off x="772620" y="1950155"/>
-            <a:ext cx="10093751" cy="2246769"/>
-          </a:xfrm>
-          <a:prstGeom prst="rect">
-            <a:avLst/>
-          </a:prstGeom>
-          <a:noFill/>
-          <a:ln>
-            <a:noFill/>
-          </a:ln>
-        </p:spPr>
-        <p:txBody>
-          <a:bodyPr anchorCtr="0" anchor="t" bIns="45700" lIns="91425" spcFirstLastPara="1" rIns="91425" wrap="square" tIns="45700">
-            <a:spAutoFit/>
-          </a:bodyPr>
-          <a:lstStyle/>
-          <a:p>
-            <a:pPr indent="0" lvl="0" marL="0" marR="0" rtl="0" algn="l">
-              <a:spcBef>
-                <a:spcPts val="0"/>
-              </a:spcBef>
-              <a:spcAft>
-                <a:spcPts val="0"/>
-              </a:spcAft>
-              <a:buNone/>
-            </a:pPr>
-            <a:r>
-              <a:rPr b="1" lang="en-US" sz="2000">
-                <a:solidFill>
-                  <a:schemeClr val="dk1"/>
-                </a:solidFill>
-                <a:latin typeface="Quicksand"/>
-                <a:ea typeface="Quicksand"/>
-                <a:cs typeface="Quicksand"/>
-                <a:sym typeface="Quicksand"/>
-              </a:rPr>
-              <a:t>Hybrid Topology for Image Sequences</a:t>
-            </a:r>
-            <a:endParaRPr/>
-          </a:p>
-          <a:p>
-            <a:pPr indent="-342900" lvl="0" marL="342900" marR="0" rtl="0" algn="l">
-              <a:spcBef>
-                <a:spcPts val="0"/>
-              </a:spcBef>
-              <a:spcAft>
-                <a:spcPts val="0"/>
-              </a:spcAft>
-              <a:buClr>
-                <a:schemeClr val="dk1"/>
-              </a:buClr>
-              <a:buSzPts val="2000"/>
-              <a:buFont typeface="Arial"/>
-              <a:buChar char="•"/>
-            </a:pPr>
-            <a:r>
-              <a:rPr lang="en-US" sz="2000">
-                <a:solidFill>
-                  <a:schemeClr val="dk1"/>
-                </a:solidFill>
-                <a:latin typeface="Quicksand"/>
-                <a:ea typeface="Quicksand"/>
-                <a:cs typeface="Quicksand"/>
-                <a:sym typeface="Quicksand"/>
-              </a:rPr>
-              <a:t>We Use CNN’s to detect features at a given input.</a:t>
-            </a:r>
-            <a:endParaRPr/>
-          </a:p>
-          <a:p>
-            <a:pPr indent="-342900" lvl="0" marL="342900" marR="0" rtl="0" algn="l">
-              <a:spcBef>
-                <a:spcPts val="0"/>
-              </a:spcBef>
-              <a:spcAft>
-                <a:spcPts val="0"/>
-              </a:spcAft>
-              <a:buClr>
-                <a:schemeClr val="dk1"/>
-              </a:buClr>
-              <a:buSzPts val="2000"/>
-              <a:buFont typeface="Arial"/>
-              <a:buChar char="•"/>
-            </a:pPr>
-            <a:r>
-              <a:rPr lang="en-US" sz="2000">
-                <a:solidFill>
-                  <a:schemeClr val="dk1"/>
-                </a:solidFill>
-                <a:latin typeface="Quicksand"/>
-                <a:ea typeface="Quicksand"/>
-                <a:cs typeface="Quicksand"/>
-                <a:sym typeface="Quicksand"/>
-              </a:rPr>
-              <a:t>We feed those feature maps into an RNN architecture, like LSTM. </a:t>
-            </a:r>
-            <a:endParaRPr/>
-          </a:p>
-          <a:p>
-            <a:pPr indent="-342900" lvl="0" marL="342900" marR="0" rtl="0" algn="l">
-              <a:spcBef>
-                <a:spcPts val="0"/>
-              </a:spcBef>
-              <a:spcAft>
-                <a:spcPts val="0"/>
-              </a:spcAft>
-              <a:buClr>
-                <a:schemeClr val="dk1"/>
-              </a:buClr>
-              <a:buSzPts val="2000"/>
-              <a:buFont typeface="Arial"/>
-              <a:buChar char="•"/>
-            </a:pPr>
-            <a:r>
-              <a:rPr lang="en-US" sz="2000">
-                <a:solidFill>
-                  <a:schemeClr val="dk1"/>
-                </a:solidFill>
-                <a:latin typeface="Quicksand"/>
-                <a:ea typeface="Quicksand"/>
-                <a:cs typeface="Quicksand"/>
-                <a:sym typeface="Quicksand"/>
-              </a:rPr>
-              <a:t>We can use this topology to predict things about videos. </a:t>
-            </a:r>
-            <a:endParaRPr/>
-          </a:p>
-          <a:p>
-            <a:pPr indent="-342900" lvl="0" marL="342900" marR="0" rtl="0" algn="l">
-              <a:spcBef>
-                <a:spcPts val="0"/>
-              </a:spcBef>
-              <a:spcAft>
-                <a:spcPts val="0"/>
-              </a:spcAft>
-              <a:buClr>
-                <a:schemeClr val="dk1"/>
-              </a:buClr>
-              <a:buSzPts val="2000"/>
-              <a:buFont typeface="Arial"/>
-              <a:buChar char="•"/>
-            </a:pPr>
-            <a:r>
-              <a:rPr lang="en-US" sz="2000">
-                <a:solidFill>
-                  <a:schemeClr val="dk1"/>
-                </a:solidFill>
-                <a:latin typeface="Quicksand"/>
-                <a:ea typeface="Quicksand"/>
-                <a:cs typeface="Quicksand"/>
-                <a:sym typeface="Quicksand"/>
-              </a:rPr>
-              <a:t>You might pre-process frames using a pre-trained CNN and pass feature maps as sequences to an RNN.</a:t>
-            </a:r>
-            <a:endParaRPr/>
-          </a:p>
-          <a:p>
-            <a:pPr indent="-215900" lvl="0" marL="342900" marR="0" rtl="0" algn="l">
-              <a:spcBef>
-                <a:spcPts val="0"/>
-              </a:spcBef>
-              <a:spcAft>
-                <a:spcPts val="0"/>
-              </a:spcAft>
-              <a:buClr>
-                <a:schemeClr val="dk1"/>
-              </a:buClr>
-              <a:buSzPts val="2000"/>
-              <a:buFont typeface="Arial"/>
-              <a:buNone/>
-            </a:pPr>
-            <a:r>
-              <a:t/>
-            </a:r>
-            <a:endParaRPr sz="2000">
-              <a:solidFill>
-                <a:schemeClr val="dk1"/>
-              </a:solidFill>
-              <a:latin typeface="Quicksand"/>
-              <a:ea typeface="Quicksand"/>
-              <a:cs typeface="Quicksand"/>
-              <a:sym typeface="Quicksand"/>
-            </a:endParaRPr>
-          </a:p>
-        </p:txBody>
-      </p:sp>
-      <p:pic>
-        <p:nvPicPr>
-          <p:cNvPr descr="Introduction to Video Classification and Human Activity Recognition" id="188" name="Google Shape;188;p13"/>
-          <p:cNvPicPr preferRelativeResize="0"/>
-          <p:nvPr/>
-        </p:nvPicPr>
-        <p:blipFill rotWithShape="1">
-          <a:blip r:embed="rId3">
-            <a:alphaModFix/>
-          </a:blip>
-          <a:srcRect b="0" l="0" r="0" t="0"/>
-          <a:stretch/>
-        </p:blipFill>
-        <p:spPr>
-          <a:xfrm>
-            <a:off x="3531000" y="3770489"/>
-            <a:ext cx="5130000" cy="2836863"/>
-          </a:xfrm>
-          <a:prstGeom prst="rect">
-            <a:avLst/>
-          </a:prstGeom>
-          <a:noFill/>
-          <a:ln>
-            <a:noFill/>
-          </a:ln>
-        </p:spPr>
-      </p:pic>
-    </p:spTree>
-  </p:cSld>
-  <p:clrMapOvr>
-    <a:masterClrMapping/>
-  </p:clrMapOvr>
-</p:sld>
-</file>
-
-<file path=ppt/slides/slide14.xml><?xml version="1.0" encoding="utf-8"?>
-<p:sld xmlns:a="http://schemas.openxmlformats.org/drawingml/2006/main" xmlns:r="http://schemas.openxmlformats.org/officeDocument/2006/relationships" xmlns:mc="http://schemas.openxmlformats.org/markup-compatibility/2006" xmlns:mv="urn:schemas-microsoft-com:mac:vml" xmlns:p="http://schemas.openxmlformats.org/presentationml/2006/main" xmlns:c="http://schemas.openxmlformats.org/drawingml/2006/chart" xmlns:dgm="http://schemas.openxmlformats.org/drawingml/2006/diagram" xmlns:o="urn:schemas-microsoft-com:office:office" xmlns:v="urn:schemas-microsoft-com:vml" xmlns:pvml="urn:schemas-microsoft-com:office:powerpoint" xmlns:com="http://schemas.openxmlformats.org/drawingml/2006/compatibility" xmlns:p14="http://schemas.microsoft.com/office/powerpoint/2010/main" xmlns:p15="http://schemas.microsoft.com/office/powerpoint/2012/main" xmlns:ahyp="http://schemas.microsoft.com/office/drawing/2018/hyperlinkcolor">
-  <p:cSld>
-    <p:spTree>
-      <p:nvGrpSpPr>
-        <p:cNvPr id="193" name="Shape 193"/>
-        <p:cNvGrpSpPr/>
-        <p:nvPr/>
-      </p:nvGrpSpPr>
-      <p:grpSpPr>
-        <a:xfrm>
-          <a:off x="0" y="0"/>
-          <a:ext cx="0" cy="0"/>
-          <a:chOff x="0" y="0"/>
-          <a:chExt cx="0" cy="0"/>
-        </a:xfrm>
-      </p:grpSpPr>
-      <p:sp>
-        <p:nvSpPr>
-          <p:cNvPr id="194" name="Google Shape;194;p14"/>
-          <p:cNvSpPr txBox="1"/>
-          <p:nvPr/>
-        </p:nvSpPr>
-        <p:spPr>
-          <a:xfrm>
-            <a:off x="1325629" y="639657"/>
-            <a:ext cx="9540742" cy="923330"/>
-          </a:xfrm>
-          <a:prstGeom prst="rect">
-            <a:avLst/>
-          </a:prstGeom>
-          <a:noFill/>
-          <a:ln>
-            <a:noFill/>
-          </a:ln>
-        </p:spPr>
-        <p:txBody>
-          <a:bodyPr anchorCtr="0" anchor="t" bIns="45700" lIns="91425" spcFirstLastPara="1" rIns="91425" wrap="square" tIns="45700">
-            <a:spAutoFit/>
-          </a:bodyPr>
-          <a:lstStyle/>
-          <a:p>
-            <a:pPr indent="0" lvl="0" marL="0" marR="0" rtl="0" algn="ctr">
-              <a:spcBef>
-                <a:spcPts val="0"/>
-              </a:spcBef>
-              <a:spcAft>
-                <a:spcPts val="0"/>
-              </a:spcAft>
-              <a:buNone/>
-            </a:pPr>
-            <a:r>
-              <a:rPr lang="en-US" sz="5400">
-                <a:solidFill>
-                  <a:schemeClr val="dk1"/>
-                </a:solidFill>
-                <a:latin typeface="Economica"/>
-                <a:ea typeface="Economica"/>
-                <a:cs typeface="Economica"/>
-                <a:sym typeface="Economica"/>
-              </a:rPr>
               <a:t>Attention Layers</a:t>
             </a:r>
             <a:endParaRPr/>
@@ -15141,7 +14607,7 @@
       </p:sp>
       <p:sp>
         <p:nvSpPr>
-          <p:cNvPr id="195" name="Google Shape;195;p14"/>
+          <p:cNvPr id="179" name="Google Shape;179;p14"/>
           <p:cNvSpPr txBox="1"/>
           <p:nvPr/>
         </p:nvSpPr>
@@ -15523,7 +14989,7 @@
       </p:sp>
       <p:pic>
         <p:nvPicPr>
-          <p:cNvPr id="196" name="Google Shape;196;p14"/>
+          <p:cNvPr id="180" name="Google Shape;180;p14"/>
           <p:cNvPicPr preferRelativeResize="0"/>
           <p:nvPr/>
         </p:nvPicPr>
@@ -15536,8 +15002,8 @@
         </p:blipFill>
         <p:spPr>
           <a:xfrm>
-            <a:off x="6096000" y="2527777"/>
-            <a:ext cx="5743046" cy="3967054"/>
+            <a:off x="6583675" y="2763526"/>
+            <a:ext cx="5255376" cy="3630175"/>
           </a:xfrm>
           <a:prstGeom prst="rect">
             <a:avLst/>
@@ -15550,7 +15016,7 @@
       </p:pic>
       <p:pic>
         <p:nvPicPr>
-          <p:cNvPr id="197" name="Google Shape;197;p14"/>
+          <p:cNvPr id="181" name="Google Shape;181;p14"/>
           <p:cNvPicPr preferRelativeResize="0"/>
           <p:nvPr/>
         </p:nvPicPr>
@@ -15583,12 +15049,12 @@
 </p:sld>
 </file>
 
-<file path=ppt/slides/slide15.xml><?xml version="1.0" encoding="utf-8"?>
+<file path=ppt/slides/slide13.xml><?xml version="1.0" encoding="utf-8"?>
 <p:sld xmlns:a="http://schemas.openxmlformats.org/drawingml/2006/main" xmlns:r="http://schemas.openxmlformats.org/officeDocument/2006/relationships" xmlns:mc="http://schemas.openxmlformats.org/markup-compatibility/2006" xmlns:mv="urn:schemas-microsoft-com:mac:vml" xmlns:p="http://schemas.openxmlformats.org/presentationml/2006/main" xmlns:c="http://schemas.openxmlformats.org/drawingml/2006/chart" xmlns:dgm="http://schemas.openxmlformats.org/drawingml/2006/diagram" xmlns:o="urn:schemas-microsoft-com:office:office" xmlns:v="urn:schemas-microsoft-com:vml" xmlns:pvml="urn:schemas-microsoft-com:office:powerpoint" xmlns:com="http://schemas.openxmlformats.org/drawingml/2006/compatibility" xmlns:p14="http://schemas.microsoft.com/office/powerpoint/2010/main" xmlns:p15="http://schemas.microsoft.com/office/powerpoint/2012/main" xmlns:ahyp="http://schemas.microsoft.com/office/drawing/2018/hyperlinkcolor">
   <p:cSld>
     <p:spTree>
       <p:nvGrpSpPr>
-        <p:cNvPr id="202" name="Shape 202"/>
+        <p:cNvPr id="186" name="Shape 186"/>
         <p:cNvGrpSpPr/>
         <p:nvPr/>
       </p:nvGrpSpPr>
@@ -15602,7 +15068,7 @@
       </p:grpSpPr>
       <p:pic>
         <p:nvPicPr>
-          <p:cNvPr id="203" name="Google Shape;203;p15"/>
+          <p:cNvPr id="187" name="Google Shape;187;p15"/>
           <p:cNvPicPr preferRelativeResize="0"/>
           <p:nvPr/>
         </p:nvPicPr>
@@ -15629,7 +15095,7 @@
       </p:pic>
       <p:sp>
         <p:nvSpPr>
-          <p:cNvPr id="204" name="Google Shape;204;p15"/>
+          <p:cNvPr id="188" name="Google Shape;188;p15"/>
           <p:cNvSpPr txBox="1"/>
           <p:nvPr/>
         </p:nvSpPr>
@@ -15685,12 +15151,12 @@
 </p:sld>
 </file>
 
-<file path=ppt/slides/slide16.xml><?xml version="1.0" encoding="utf-8"?>
+<file path=ppt/slides/slide14.xml><?xml version="1.0" encoding="utf-8"?>
 <p:sld xmlns:a="http://schemas.openxmlformats.org/drawingml/2006/main" xmlns:r="http://schemas.openxmlformats.org/officeDocument/2006/relationships" xmlns:mc="http://schemas.openxmlformats.org/markup-compatibility/2006" xmlns:mv="urn:schemas-microsoft-com:mac:vml" xmlns:p="http://schemas.openxmlformats.org/presentationml/2006/main" xmlns:c="http://schemas.openxmlformats.org/drawingml/2006/chart" xmlns:dgm="http://schemas.openxmlformats.org/drawingml/2006/diagram" xmlns:o="urn:schemas-microsoft-com:office:office" xmlns:v="urn:schemas-microsoft-com:vml" xmlns:pvml="urn:schemas-microsoft-com:office:powerpoint" xmlns:com="http://schemas.openxmlformats.org/drawingml/2006/compatibility" xmlns:p14="http://schemas.microsoft.com/office/powerpoint/2010/main" xmlns:p15="http://schemas.microsoft.com/office/powerpoint/2012/main" xmlns:ahyp="http://schemas.microsoft.com/office/drawing/2018/hyperlinkcolor">
   <p:cSld>
     <p:spTree>
       <p:nvGrpSpPr>
-        <p:cNvPr id="209" name="Shape 209"/>
+        <p:cNvPr id="193" name="Shape 193"/>
         <p:cNvGrpSpPr/>
         <p:nvPr/>
       </p:nvGrpSpPr>
@@ -15704,7 +15170,7 @@
       </p:grpSpPr>
       <p:sp>
         <p:nvSpPr>
-          <p:cNvPr id="210" name="Google Shape;210;p16"/>
+          <p:cNvPr id="194" name="Google Shape;194;p16"/>
           <p:cNvSpPr txBox="1"/>
           <p:nvPr/>
         </p:nvSpPr>
@@ -15754,7 +15220,7 @@
       </p:sp>
       <p:sp>
         <p:nvSpPr>
-          <p:cNvPr id="211" name="Google Shape;211;p16"/>
+          <p:cNvPr id="195" name="Google Shape;195;p16"/>
           <p:cNvSpPr txBox="1"/>
           <p:nvPr/>
         </p:nvSpPr>
@@ -16118,7 +15584,7 @@
       </p:sp>
       <p:pic>
         <p:nvPicPr>
-          <p:cNvPr id="212" name="Google Shape;212;p16"/>
+          <p:cNvPr id="196" name="Google Shape;196;p16"/>
           <p:cNvPicPr preferRelativeResize="0"/>
           <p:nvPr/>
         </p:nvPicPr>
@@ -16133,6 +15599,540 @@
           <a:xfrm>
             <a:off x="8503004" y="1962349"/>
             <a:ext cx="2568690" cy="4184754"/>
+          </a:xfrm>
+          <a:prstGeom prst="rect">
+            <a:avLst/>
+          </a:prstGeom>
+          <a:noFill/>
+          <a:ln>
+            <a:noFill/>
+          </a:ln>
+        </p:spPr>
+      </p:pic>
+    </p:spTree>
+  </p:cSld>
+  <p:clrMapOvr>
+    <a:masterClrMapping/>
+  </p:clrMapOvr>
+</p:sld>
+</file>
+
+<file path=ppt/slides/slide15.xml><?xml version="1.0" encoding="utf-8"?>
+<p:sld xmlns:a="http://schemas.openxmlformats.org/drawingml/2006/main" xmlns:r="http://schemas.openxmlformats.org/officeDocument/2006/relationships" xmlns:mc="http://schemas.openxmlformats.org/markup-compatibility/2006" xmlns:mv="urn:schemas-microsoft-com:mac:vml" xmlns:p="http://schemas.openxmlformats.org/presentationml/2006/main" xmlns:c="http://schemas.openxmlformats.org/drawingml/2006/chart" xmlns:dgm="http://schemas.openxmlformats.org/drawingml/2006/diagram" xmlns:o="urn:schemas-microsoft-com:office:office" xmlns:v="urn:schemas-microsoft-com:vml" xmlns:pvml="urn:schemas-microsoft-com:office:powerpoint" xmlns:com="http://schemas.openxmlformats.org/drawingml/2006/compatibility" xmlns:p14="http://schemas.microsoft.com/office/powerpoint/2010/main" xmlns:p15="http://schemas.microsoft.com/office/powerpoint/2012/main" xmlns:ahyp="http://schemas.microsoft.com/office/drawing/2018/hyperlinkcolor">
+  <p:cSld>
+    <p:spTree>
+      <p:nvGrpSpPr>
+        <p:cNvPr id="201" name="Shape 201"/>
+        <p:cNvGrpSpPr/>
+        <p:nvPr/>
+      </p:nvGrpSpPr>
+      <p:grpSpPr>
+        <a:xfrm>
+          <a:off x="0" y="0"/>
+          <a:ext cx="0" cy="0"/>
+          <a:chOff x="0" y="0"/>
+          <a:chExt cx="0" cy="0"/>
+        </a:xfrm>
+      </p:grpSpPr>
+      <p:sp>
+        <p:nvSpPr>
+          <p:cNvPr id="202" name="Google Shape;202;p12"/>
+          <p:cNvSpPr txBox="1"/>
+          <p:nvPr/>
+        </p:nvSpPr>
+        <p:spPr>
+          <a:xfrm>
+            <a:off x="1325629" y="639657"/>
+            <a:ext cx="9540742" cy="923330"/>
+          </a:xfrm>
+          <a:prstGeom prst="rect">
+            <a:avLst/>
+          </a:prstGeom>
+          <a:noFill/>
+          <a:ln>
+            <a:noFill/>
+          </a:ln>
+        </p:spPr>
+        <p:txBody>
+          <a:bodyPr anchorCtr="0" anchor="t" bIns="45700" lIns="91425" spcFirstLastPara="1" rIns="91425" wrap="square" tIns="45700">
+            <a:spAutoFit/>
+          </a:bodyPr>
+          <a:lstStyle/>
+          <a:p>
+            <a:pPr indent="0" lvl="0" marL="0" marR="0" rtl="0" algn="ctr">
+              <a:spcBef>
+                <a:spcPts val="0"/>
+              </a:spcBef>
+              <a:spcAft>
+                <a:spcPts val="0"/>
+              </a:spcAft>
+              <a:buNone/>
+            </a:pPr>
+            <a:r>
+              <a:rPr lang="en-US" sz="5400">
+                <a:solidFill>
+                  <a:schemeClr val="dk1"/>
+                </a:solidFill>
+                <a:latin typeface="Economica"/>
+                <a:ea typeface="Economica"/>
+                <a:cs typeface="Economica"/>
+                <a:sym typeface="Economica"/>
+              </a:rPr>
+              <a:t>RNN for Audio</a:t>
+            </a:r>
+            <a:endParaRPr/>
+          </a:p>
+        </p:txBody>
+      </p:sp>
+      <p:sp>
+        <p:nvSpPr>
+          <p:cNvPr id="203" name="Google Shape;203;p12"/>
+          <p:cNvSpPr txBox="1"/>
+          <p:nvPr/>
+        </p:nvSpPr>
+        <p:spPr>
+          <a:xfrm>
+            <a:off x="772620" y="1950155"/>
+            <a:ext cx="10093751" cy="1631216"/>
+          </a:xfrm>
+          <a:prstGeom prst="rect">
+            <a:avLst/>
+          </a:prstGeom>
+          <a:noFill/>
+          <a:ln>
+            <a:noFill/>
+          </a:ln>
+        </p:spPr>
+        <p:txBody>
+          <a:bodyPr anchorCtr="0" anchor="t" bIns="45700" lIns="91425" spcFirstLastPara="1" rIns="91425" wrap="square" tIns="45700">
+            <a:spAutoFit/>
+          </a:bodyPr>
+          <a:lstStyle/>
+          <a:p>
+            <a:pPr indent="0" lvl="0" marL="0" marR="0" rtl="0" algn="l">
+              <a:spcBef>
+                <a:spcPts val="0"/>
+              </a:spcBef>
+              <a:spcAft>
+                <a:spcPts val="0"/>
+              </a:spcAft>
+              <a:buNone/>
+            </a:pPr>
+            <a:r>
+              <a:rPr b="1" lang="en-US" sz="2000">
+                <a:solidFill>
+                  <a:schemeClr val="dk1"/>
+                </a:solidFill>
+                <a:latin typeface="Quicksand"/>
+                <a:ea typeface="Quicksand"/>
+                <a:cs typeface="Quicksand"/>
+                <a:sym typeface="Quicksand"/>
+              </a:rPr>
+              <a:t>Same Sequence Concepts Work for Audio Data</a:t>
+            </a:r>
+            <a:endParaRPr/>
+          </a:p>
+          <a:p>
+            <a:pPr indent="-342900" lvl="0" marL="342900" marR="0" rtl="0" algn="l">
+              <a:spcBef>
+                <a:spcPts val="0"/>
+              </a:spcBef>
+              <a:spcAft>
+                <a:spcPts val="0"/>
+              </a:spcAft>
+              <a:buClr>
+                <a:schemeClr val="dk1"/>
+              </a:buClr>
+              <a:buSzPts val="2000"/>
+              <a:buFont typeface="Arial"/>
+              <a:buChar char="•"/>
+            </a:pPr>
+            <a:r>
+              <a:rPr lang="en-US" sz="2000">
+                <a:solidFill>
+                  <a:schemeClr val="dk1"/>
+                </a:solidFill>
+                <a:latin typeface="Quicksand"/>
+                <a:ea typeface="Quicksand"/>
+                <a:cs typeface="Quicksand"/>
+                <a:sym typeface="Quicksand"/>
+              </a:rPr>
+              <a:t>Audio files are just sequences of numeric values (amplitude), possibly two if it was recorded in stereo. </a:t>
+            </a:r>
+            <a:endParaRPr/>
+          </a:p>
+          <a:p>
+            <a:pPr indent="-342900" lvl="0" marL="342900" marR="0" rtl="0" algn="l">
+              <a:spcBef>
+                <a:spcPts val="0"/>
+              </a:spcBef>
+              <a:spcAft>
+                <a:spcPts val="0"/>
+              </a:spcAft>
+              <a:buClr>
+                <a:schemeClr val="dk1"/>
+              </a:buClr>
+              <a:buSzPts val="2000"/>
+              <a:buFont typeface="Arial"/>
+              <a:buChar char="•"/>
+            </a:pPr>
+            <a:r>
+              <a:rPr lang="en-US" sz="2000">
+                <a:solidFill>
+                  <a:schemeClr val="dk1"/>
+                </a:solidFill>
+                <a:latin typeface="Quicksand"/>
+                <a:ea typeface="Quicksand"/>
+                <a:cs typeface="Quicksand"/>
+                <a:sym typeface="Quicksand"/>
+              </a:rPr>
+              <a:t>Once we recognize this, we realize we can predict things about audio sequences too!</a:t>
+            </a:r>
+            <a:endParaRPr/>
+          </a:p>
+          <a:p>
+            <a:pPr indent="-215900" lvl="0" marL="342900" marR="0" rtl="0" algn="l">
+              <a:spcBef>
+                <a:spcPts val="0"/>
+              </a:spcBef>
+              <a:spcAft>
+                <a:spcPts val="0"/>
+              </a:spcAft>
+              <a:buClr>
+                <a:schemeClr val="dk1"/>
+              </a:buClr>
+              <a:buSzPts val="2000"/>
+              <a:buFont typeface="Arial"/>
+              <a:buNone/>
+            </a:pPr>
+            <a:r>
+              <a:t/>
+            </a:r>
+            <a:endParaRPr sz="2000">
+              <a:solidFill>
+                <a:schemeClr val="dk1"/>
+              </a:solidFill>
+              <a:latin typeface="Quicksand"/>
+              <a:ea typeface="Quicksand"/>
+              <a:cs typeface="Quicksand"/>
+              <a:sym typeface="Quicksand"/>
+            </a:endParaRPr>
+          </a:p>
+        </p:txBody>
+      </p:sp>
+      <p:pic>
+        <p:nvPicPr>
+          <p:cNvPr id="204" name="Google Shape;204;p12"/>
+          <p:cNvPicPr preferRelativeResize="0"/>
+          <p:nvPr/>
+        </p:nvPicPr>
+        <p:blipFill rotWithShape="1">
+          <a:blip r:embed="rId3">
+            <a:alphaModFix/>
+          </a:blip>
+          <a:srcRect b="0" l="0" r="0" t="0"/>
+          <a:stretch/>
+        </p:blipFill>
+        <p:spPr>
+          <a:xfrm>
+            <a:off x="4337050" y="3429000"/>
+            <a:ext cx="3517900" cy="2286000"/>
+          </a:xfrm>
+          <a:prstGeom prst="rect">
+            <a:avLst/>
+          </a:prstGeom>
+          <a:noFill/>
+          <a:ln>
+            <a:noFill/>
+          </a:ln>
+        </p:spPr>
+      </p:pic>
+    </p:spTree>
+  </p:cSld>
+  <p:clrMapOvr>
+    <a:masterClrMapping/>
+  </p:clrMapOvr>
+</p:sld>
+</file>
+
+<file path=ppt/slides/slide16.xml><?xml version="1.0" encoding="utf-8"?>
+<p:sld xmlns:a="http://schemas.openxmlformats.org/drawingml/2006/main" xmlns:r="http://schemas.openxmlformats.org/officeDocument/2006/relationships" xmlns:mc="http://schemas.openxmlformats.org/markup-compatibility/2006" xmlns:mv="urn:schemas-microsoft-com:mac:vml" xmlns:p="http://schemas.openxmlformats.org/presentationml/2006/main" xmlns:c="http://schemas.openxmlformats.org/drawingml/2006/chart" xmlns:dgm="http://schemas.openxmlformats.org/drawingml/2006/diagram" xmlns:o="urn:schemas-microsoft-com:office:office" xmlns:v="urn:schemas-microsoft-com:vml" xmlns:pvml="urn:schemas-microsoft-com:office:powerpoint" xmlns:com="http://schemas.openxmlformats.org/drawingml/2006/compatibility" xmlns:p14="http://schemas.microsoft.com/office/powerpoint/2010/main" xmlns:p15="http://schemas.microsoft.com/office/powerpoint/2012/main" xmlns:ahyp="http://schemas.microsoft.com/office/drawing/2018/hyperlinkcolor">
+  <p:cSld>
+    <p:spTree>
+      <p:nvGrpSpPr>
+        <p:cNvPr id="209" name="Shape 209"/>
+        <p:cNvGrpSpPr/>
+        <p:nvPr/>
+      </p:nvGrpSpPr>
+      <p:grpSpPr>
+        <a:xfrm>
+          <a:off x="0" y="0"/>
+          <a:ext cx="0" cy="0"/>
+          <a:chOff x="0" y="0"/>
+          <a:chExt cx="0" cy="0"/>
+        </a:xfrm>
+      </p:grpSpPr>
+      <p:sp>
+        <p:nvSpPr>
+          <p:cNvPr id="210" name="Google Shape;210;p13"/>
+          <p:cNvSpPr txBox="1"/>
+          <p:nvPr/>
+        </p:nvSpPr>
+        <p:spPr>
+          <a:xfrm>
+            <a:off x="1325629" y="639657"/>
+            <a:ext cx="9540742" cy="923330"/>
+          </a:xfrm>
+          <a:prstGeom prst="rect">
+            <a:avLst/>
+          </a:prstGeom>
+          <a:noFill/>
+          <a:ln>
+            <a:noFill/>
+          </a:ln>
+        </p:spPr>
+        <p:txBody>
+          <a:bodyPr anchorCtr="0" anchor="t" bIns="45700" lIns="91425" spcFirstLastPara="1" rIns="91425" wrap="square" tIns="45700">
+            <a:spAutoFit/>
+          </a:bodyPr>
+          <a:lstStyle/>
+          <a:p>
+            <a:pPr indent="0" lvl="0" marL="0" marR="0" rtl="0" algn="ctr">
+              <a:spcBef>
+                <a:spcPts val="0"/>
+              </a:spcBef>
+              <a:spcAft>
+                <a:spcPts val="0"/>
+              </a:spcAft>
+              <a:buNone/>
+            </a:pPr>
+            <a:r>
+              <a:rPr lang="en-US" sz="5400">
+                <a:solidFill>
+                  <a:schemeClr val="dk1"/>
+                </a:solidFill>
+                <a:latin typeface="Economica"/>
+                <a:ea typeface="Economica"/>
+                <a:cs typeface="Economica"/>
+                <a:sym typeface="Economica"/>
+              </a:rPr>
+              <a:t>CNN-RNN for Video</a:t>
+            </a:r>
+            <a:endParaRPr/>
+          </a:p>
+        </p:txBody>
+      </p:sp>
+      <p:sp>
+        <p:nvSpPr>
+          <p:cNvPr id="211" name="Google Shape;211;p13"/>
+          <p:cNvSpPr txBox="1"/>
+          <p:nvPr/>
+        </p:nvSpPr>
+        <p:spPr>
+          <a:xfrm>
+            <a:off x="772620" y="1950155"/>
+            <a:ext cx="10093751" cy="2246769"/>
+          </a:xfrm>
+          <a:prstGeom prst="rect">
+            <a:avLst/>
+          </a:prstGeom>
+          <a:noFill/>
+          <a:ln>
+            <a:noFill/>
+          </a:ln>
+        </p:spPr>
+        <p:txBody>
+          <a:bodyPr anchorCtr="0" anchor="t" bIns="45700" lIns="91425" spcFirstLastPara="1" rIns="91425" wrap="square" tIns="45700">
+            <a:spAutoFit/>
+          </a:bodyPr>
+          <a:lstStyle/>
+          <a:p>
+            <a:pPr indent="0" lvl="0" marL="0" marR="0" rtl="0" algn="l">
+              <a:spcBef>
+                <a:spcPts val="0"/>
+              </a:spcBef>
+              <a:spcAft>
+                <a:spcPts val="0"/>
+              </a:spcAft>
+              <a:buNone/>
+            </a:pPr>
+            <a:r>
+              <a:rPr b="1" lang="en-US" sz="2000">
+                <a:solidFill>
+                  <a:schemeClr val="dk1"/>
+                </a:solidFill>
+                <a:latin typeface="Quicksand"/>
+                <a:ea typeface="Quicksand"/>
+                <a:cs typeface="Quicksand"/>
+                <a:sym typeface="Quicksand"/>
+              </a:rPr>
+              <a:t>Hybrid Topology for Image Sequences</a:t>
+            </a:r>
+            <a:endParaRPr/>
+          </a:p>
+          <a:p>
+            <a:pPr indent="-342900" lvl="0" marL="342900" marR="0" rtl="0" algn="l">
+              <a:spcBef>
+                <a:spcPts val="0"/>
+              </a:spcBef>
+              <a:spcAft>
+                <a:spcPts val="0"/>
+              </a:spcAft>
+              <a:buClr>
+                <a:schemeClr val="dk1"/>
+              </a:buClr>
+              <a:buSzPts val="2000"/>
+              <a:buFont typeface="Arial"/>
+              <a:buChar char="•"/>
+            </a:pPr>
+            <a:r>
+              <a:rPr lang="en-US" sz="2000">
+                <a:solidFill>
+                  <a:schemeClr val="dk1"/>
+                </a:solidFill>
+                <a:latin typeface="Quicksand"/>
+                <a:ea typeface="Quicksand"/>
+                <a:cs typeface="Quicksand"/>
+                <a:sym typeface="Quicksand"/>
+              </a:rPr>
+              <a:t>We Use CNN’s to detect features at a given input.</a:t>
+            </a:r>
+            <a:endParaRPr/>
+          </a:p>
+          <a:p>
+            <a:pPr indent="-342900" lvl="0" marL="342900" marR="0" rtl="0" algn="l">
+              <a:spcBef>
+                <a:spcPts val="0"/>
+              </a:spcBef>
+              <a:spcAft>
+                <a:spcPts val="0"/>
+              </a:spcAft>
+              <a:buClr>
+                <a:schemeClr val="dk1"/>
+              </a:buClr>
+              <a:buSzPts val="2000"/>
+              <a:buFont typeface="Arial"/>
+              <a:buChar char="•"/>
+            </a:pPr>
+            <a:r>
+              <a:rPr lang="en-US" sz="2000">
+                <a:solidFill>
+                  <a:schemeClr val="dk1"/>
+                </a:solidFill>
+                <a:latin typeface="Quicksand"/>
+                <a:ea typeface="Quicksand"/>
+                <a:cs typeface="Quicksand"/>
+                <a:sym typeface="Quicksand"/>
+              </a:rPr>
+              <a:t>We feed those feature maps into an RNN architecture, like LSTM. </a:t>
+            </a:r>
+            <a:endParaRPr/>
+          </a:p>
+          <a:p>
+            <a:pPr indent="-342900" lvl="0" marL="342900" marR="0" rtl="0" algn="l">
+              <a:spcBef>
+                <a:spcPts val="0"/>
+              </a:spcBef>
+              <a:spcAft>
+                <a:spcPts val="0"/>
+              </a:spcAft>
+              <a:buClr>
+                <a:schemeClr val="dk1"/>
+              </a:buClr>
+              <a:buSzPts val="2000"/>
+              <a:buFont typeface="Arial"/>
+              <a:buChar char="•"/>
+            </a:pPr>
+            <a:r>
+              <a:rPr lang="en-US" sz="2000">
+                <a:solidFill>
+                  <a:schemeClr val="dk1"/>
+                </a:solidFill>
+                <a:latin typeface="Quicksand"/>
+                <a:ea typeface="Quicksand"/>
+                <a:cs typeface="Quicksand"/>
+                <a:sym typeface="Quicksand"/>
+              </a:rPr>
+              <a:t>We can use this topology to predict things about videos. </a:t>
+            </a:r>
+            <a:endParaRPr/>
+          </a:p>
+          <a:p>
+            <a:pPr indent="-342900" lvl="0" marL="342900" marR="0" rtl="0" algn="l">
+              <a:spcBef>
+                <a:spcPts val="0"/>
+              </a:spcBef>
+              <a:spcAft>
+                <a:spcPts val="0"/>
+              </a:spcAft>
+              <a:buClr>
+                <a:schemeClr val="dk1"/>
+              </a:buClr>
+              <a:buSzPts val="2000"/>
+              <a:buFont typeface="Arial"/>
+              <a:buChar char="•"/>
+            </a:pPr>
+            <a:r>
+              <a:rPr lang="en-US" sz="2000">
+                <a:solidFill>
+                  <a:schemeClr val="dk1"/>
+                </a:solidFill>
+                <a:latin typeface="Quicksand"/>
+                <a:ea typeface="Quicksand"/>
+                <a:cs typeface="Quicksand"/>
+                <a:sym typeface="Quicksand"/>
+              </a:rPr>
+              <a:t>You might pre-process frames using a pre-trained CNN and pass feature maps as sequences to an RNN.</a:t>
+            </a:r>
+            <a:endParaRPr/>
+          </a:p>
+          <a:p>
+            <a:pPr indent="-215900" lvl="0" marL="342900" marR="0" rtl="0" algn="l">
+              <a:spcBef>
+                <a:spcPts val="0"/>
+              </a:spcBef>
+              <a:spcAft>
+                <a:spcPts val="0"/>
+              </a:spcAft>
+              <a:buClr>
+                <a:schemeClr val="dk1"/>
+              </a:buClr>
+              <a:buSzPts val="2000"/>
+              <a:buFont typeface="Arial"/>
+              <a:buNone/>
+            </a:pPr>
+            <a:r>
+              <a:t/>
+            </a:r>
+            <a:endParaRPr sz="2000">
+              <a:solidFill>
+                <a:schemeClr val="dk1"/>
+              </a:solidFill>
+              <a:latin typeface="Quicksand"/>
+              <a:ea typeface="Quicksand"/>
+              <a:cs typeface="Quicksand"/>
+              <a:sym typeface="Quicksand"/>
+            </a:endParaRPr>
+          </a:p>
+        </p:txBody>
+      </p:sp>
+      <p:pic>
+        <p:nvPicPr>
+          <p:cNvPr descr="Introduction to Video Classification and Human Activity Recognition" id="212" name="Google Shape;212;p13"/>
+          <p:cNvPicPr preferRelativeResize="0"/>
+          <p:nvPr/>
+        </p:nvPicPr>
+        <p:blipFill rotWithShape="1">
+          <a:blip r:embed="rId3">
+            <a:alphaModFix/>
+          </a:blip>
+          <a:srcRect b="0" l="0" r="0" t="0"/>
+          <a:stretch/>
+        </p:blipFill>
+        <p:spPr>
+          <a:xfrm>
+            <a:off x="3531000" y="3770489"/>
+            <a:ext cx="5130000" cy="2836863"/>
           </a:xfrm>
           <a:prstGeom prst="rect">
             <a:avLst/>
@@ -16977,7 +16977,7 @@
             <a:tbl>
               <a:tblPr>
                 <a:noFill/>
-                <a:tableStyleId>{2D8B6770-9350-4419-AB3C-9C38A11A9B0F}</a:tableStyleId>
+                <a:tableStyleId>{E05DC9BB-E2D2-4958-9D3A-7439AACFFBFD}</a:tableStyleId>
               </a:tblPr>
               <a:tblGrid>
                 <a:gridCol w="981800"/>
